--- a/WeeklyUpdates/Week19_05022024_11022024.pptx
+++ b/WeeklyUpdates/Week19_05022024_11022024.pptx
@@ -5,10 +5,10 @@
     <p:sldMasterId id="2147483648" r:id="rId1"/>
   </p:sldMasterIdLst>
   <p:notesMasterIdLst>
-    <p:notesMasterId r:id="rId15"/>
+    <p:notesMasterId r:id="rId16"/>
   </p:notesMasterIdLst>
   <p:handoutMasterIdLst>
-    <p:handoutMasterId r:id="rId16"/>
+    <p:handoutMasterId r:id="rId17"/>
   </p:handoutMasterIdLst>
   <p:sldIdLst>
     <p:sldId id="1234" r:id="rId2"/>
@@ -21,9 +21,10 @@
     <p:sldId id="1241" r:id="rId9"/>
     <p:sldId id="1242" r:id="rId10"/>
     <p:sldId id="268" r:id="rId11"/>
-    <p:sldId id="1243" r:id="rId12"/>
-    <p:sldId id="1244" r:id="rId13"/>
-    <p:sldId id="1245" r:id="rId14"/>
+    <p:sldId id="1246" r:id="rId12"/>
+    <p:sldId id="1243" r:id="rId13"/>
+    <p:sldId id="1244" r:id="rId14"/>
+    <p:sldId id="1245" r:id="rId15"/>
   </p:sldIdLst>
   <p:sldSz cx="12192000" cy="6858000"/>
   <p:notesSz cx="6858000" cy="9144000"/>
@@ -267,7 +268,7 @@
                 </a:solidFill>
                 <a:latin typeface="+mn-lt"/>
               </a:rPr>
-              <a:t>2/8/2024</a:t>
+              <a:t>2/12/2024</a:t>
             </a:fld>
             <a:endParaRPr lang="en-US" sz="1050" dirty="0">
               <a:solidFill>
@@ -530,7 +531,7 @@
             <a:fld id="{76FBC1AF-E4C9-412F-9B6D-66CD520F95DB}" type="datetimeFigureOut">
               <a:rPr lang="en-US" smtClean="0"/>
               <a:pPr/>
-              <a:t>2/8/2024</a:t>
+              <a:t>2/12/2024</a:t>
             </a:fld>
             <a:endParaRPr lang="en-US" dirty="0"/>
           </a:p>
@@ -3399,16 +3400,347 @@
           <a:p>
             <a:r>
               <a:rPr lang="en-US" sz="4000" dirty="0"/>
-              <a:t>Backup Slide 1</a:t>
+              <a:t>Sources</a:t>
             </a:r>
             <a:endParaRPr lang="en-DE" sz="4000" dirty="0"/>
+          </a:p>
+        </p:txBody>
+      </p:sp>
+      <p:sp>
+        <p:nvSpPr>
+          <p:cNvPr id="2" name="Footer Placeholder" descr="Footer with copyright, author and department information, and date">
+            <a:extLst>
+              <a:ext uri="{FF2B5EF4-FFF2-40B4-BE49-F238E27FC236}">
+                <a16:creationId xmlns:a16="http://schemas.microsoft.com/office/drawing/2014/main" id="{D1103442-656C-6294-76FB-C61BEB6219CE}"/>
+              </a:ext>
+            </a:extLst>
+          </p:cNvPr>
+          <p:cNvSpPr txBox="1">
+            <a:spLocks/>
+          </p:cNvSpPr>
+          <p:nvPr/>
+        </p:nvSpPr>
+        <p:spPr bwMode="black">
+          <a:xfrm>
+            <a:off x="1055440" y="6309320"/>
+            <a:ext cx="9216000" cy="289918"/>
+          </a:xfrm>
+          <a:prstGeom prst="rect">
+            <a:avLst/>
+          </a:prstGeom>
+        </p:spPr>
+        <p:txBody>
+          <a:bodyPr vert="horz" lIns="0" tIns="0" rIns="0" bIns="61200" rtlCol="0" anchor="ctr" anchorCtr="0"/>
+          <a:lstStyle>
+            <a:defPPr>
+              <a:defRPr lang="en-US"/>
+            </a:defPPr>
+            <a:lvl1pPr algn="l">
+              <a:lnSpc>
+                <a:spcPct val="100000"/>
+              </a:lnSpc>
+              <a:spcBef>
+                <a:spcPts val="0"/>
+              </a:spcBef>
+              <a:buClr>
+                <a:schemeClr val="accent1"/>
+              </a:buClr>
+              <a:defRPr sz="900">
+                <a:solidFill>
+                  <a:schemeClr val="tx1"/>
+                </a:solidFill>
+                <a:latin typeface="+mn-lt"/>
+              </a:defRPr>
+            </a:lvl1pPr>
+            <a:lvl2pPr marL="180000" indent="-180000">
+              <a:spcBef>
+                <a:spcPts val="0"/>
+              </a:spcBef>
+              <a:buClr>
+                <a:schemeClr val="accent1"/>
+              </a:buClr>
+              <a:buFont typeface="Arial" panose="020B0604020202020204" pitchFamily="34" charset="0"/>
+              <a:buChar char="•"/>
+              <a:defRPr sz="1800"/>
+            </a:lvl2pPr>
+            <a:lvl3pPr marL="360000" indent="-180000">
+              <a:spcBef>
+                <a:spcPts val="0"/>
+              </a:spcBef>
+              <a:buClr>
+                <a:schemeClr val="accent1"/>
+              </a:buClr>
+              <a:buFont typeface="Arial" panose="020B0604020202020204" pitchFamily="34" charset="0"/>
+              <a:buChar char="•"/>
+              <a:defRPr sz="1800"/>
+            </a:lvl3pPr>
+            <a:lvl4pPr marL="540000" indent="-180000">
+              <a:spcBef>
+                <a:spcPts val="0"/>
+              </a:spcBef>
+              <a:buClr>
+                <a:schemeClr val="accent1"/>
+              </a:buClr>
+              <a:buFont typeface="Arial" panose="020B0604020202020204" pitchFamily="34" charset="0"/>
+              <a:buChar char="•"/>
+              <a:defRPr sz="1800"/>
+            </a:lvl4pPr>
+            <a:lvl5pPr marL="720000" indent="-180000">
+              <a:spcBef>
+                <a:spcPts val="0"/>
+              </a:spcBef>
+              <a:buClr>
+                <a:schemeClr val="accent1"/>
+              </a:buClr>
+              <a:buFont typeface="Arial" panose="020B0604020202020204" pitchFamily="34" charset="0"/>
+              <a:buChar char="•"/>
+              <a:defRPr sz="1800"/>
+            </a:lvl5pPr>
+            <a:lvl6pPr marL="900000" indent="-180000">
+              <a:spcBef>
+                <a:spcPts val="0"/>
+              </a:spcBef>
+              <a:buClr>
+                <a:schemeClr val="accent1"/>
+              </a:buClr>
+              <a:buFont typeface="Arial" panose="020B0604020202020204" pitchFamily="34" charset="0"/>
+              <a:buChar char="•"/>
+              <a:defRPr sz="1800"/>
+            </a:lvl6pPr>
+            <a:lvl7pPr marL="1080000" indent="-180000">
+              <a:spcBef>
+                <a:spcPts val="0"/>
+              </a:spcBef>
+              <a:buClr>
+                <a:schemeClr val="accent1"/>
+              </a:buClr>
+              <a:buFont typeface="Arial" panose="020B0604020202020204" pitchFamily="34" charset="0"/>
+              <a:buChar char="•"/>
+              <a:defRPr sz="1800"/>
+            </a:lvl7pPr>
+            <a:lvl8pPr marL="1260000" indent="-180000">
+              <a:spcBef>
+                <a:spcPts val="0"/>
+              </a:spcBef>
+              <a:buClr>
+                <a:schemeClr val="accent1"/>
+              </a:buClr>
+              <a:buFont typeface="Arial" panose="020B0604020202020204" pitchFamily="34" charset="0"/>
+              <a:buChar char="•"/>
+              <a:defRPr sz="1800"/>
+            </a:lvl8pPr>
+            <a:lvl9pPr marL="1440000" indent="-180000">
+              <a:spcBef>
+                <a:spcPts val="0"/>
+              </a:spcBef>
+              <a:buClr>
+                <a:schemeClr val="accent1"/>
+              </a:buClr>
+              <a:buFont typeface="Arial" panose="020B0604020202020204" pitchFamily="34" charset="0"/>
+              <a:buChar char="•"/>
+              <a:defRPr sz="1800"/>
+            </a:lvl9pPr>
+          </a:lstStyle>
+          <a:p>
+            <a:r>
+              <a:rPr lang="en-US" dirty="0"/>
+              <a:t>Jan Nalivaika | Student ID: 03694590 | Siemens T AMM FMP-DE  | 2024.03.04</a:t>
+            </a:r>
+          </a:p>
+        </p:txBody>
+      </p:sp>
+      <p:sp>
+        <p:nvSpPr>
+          <p:cNvPr id="3" name="Footer Placeholder" descr="Footer with copyright, author and department information, and date">
+            <a:extLst>
+              <a:ext uri="{FF2B5EF4-FFF2-40B4-BE49-F238E27FC236}">
+                <a16:creationId xmlns:a16="http://schemas.microsoft.com/office/drawing/2014/main" id="{1A904643-C2E4-1E23-1F69-DB37716EEAA9}"/>
+              </a:ext>
+            </a:extLst>
+          </p:cNvPr>
+          <p:cNvSpPr txBox="1">
+            <a:spLocks/>
+          </p:cNvSpPr>
+          <p:nvPr/>
+        </p:nvSpPr>
+        <p:spPr bwMode="black">
+          <a:xfrm>
+            <a:off x="335360" y="6309320"/>
+            <a:ext cx="576064" cy="289918"/>
+          </a:xfrm>
+          <a:prstGeom prst="rect">
+            <a:avLst/>
+          </a:prstGeom>
+        </p:spPr>
+        <p:txBody>
+          <a:bodyPr vert="horz" lIns="0" tIns="0" rIns="0" bIns="61200" rtlCol="0" anchor="ctr" anchorCtr="0"/>
+          <a:lstStyle>
+            <a:defPPr>
+              <a:defRPr lang="en-US"/>
+            </a:defPPr>
+            <a:lvl1pPr algn="l">
+              <a:lnSpc>
+                <a:spcPct val="100000"/>
+              </a:lnSpc>
+              <a:spcBef>
+                <a:spcPts val="0"/>
+              </a:spcBef>
+              <a:buClr>
+                <a:schemeClr val="accent1"/>
+              </a:buClr>
+              <a:defRPr sz="900">
+                <a:solidFill>
+                  <a:schemeClr val="tx1"/>
+                </a:solidFill>
+                <a:latin typeface="+mn-lt"/>
+              </a:defRPr>
+            </a:lvl1pPr>
+            <a:lvl2pPr marL="180000" indent="-180000">
+              <a:spcBef>
+                <a:spcPts val="0"/>
+              </a:spcBef>
+              <a:buClr>
+                <a:schemeClr val="accent1"/>
+              </a:buClr>
+              <a:buFont typeface="Arial" panose="020B0604020202020204" pitchFamily="34" charset="0"/>
+              <a:buChar char="•"/>
+              <a:defRPr sz="1800"/>
+            </a:lvl2pPr>
+            <a:lvl3pPr marL="360000" indent="-180000">
+              <a:spcBef>
+                <a:spcPts val="0"/>
+              </a:spcBef>
+              <a:buClr>
+                <a:schemeClr val="accent1"/>
+              </a:buClr>
+              <a:buFont typeface="Arial" panose="020B0604020202020204" pitchFamily="34" charset="0"/>
+              <a:buChar char="•"/>
+              <a:defRPr sz="1800"/>
+            </a:lvl3pPr>
+            <a:lvl4pPr marL="540000" indent="-180000">
+              <a:spcBef>
+                <a:spcPts val="0"/>
+              </a:spcBef>
+              <a:buClr>
+                <a:schemeClr val="accent1"/>
+              </a:buClr>
+              <a:buFont typeface="Arial" panose="020B0604020202020204" pitchFamily="34" charset="0"/>
+              <a:buChar char="•"/>
+              <a:defRPr sz="1800"/>
+            </a:lvl4pPr>
+            <a:lvl5pPr marL="720000" indent="-180000">
+              <a:spcBef>
+                <a:spcPts val="0"/>
+              </a:spcBef>
+              <a:buClr>
+                <a:schemeClr val="accent1"/>
+              </a:buClr>
+              <a:buFont typeface="Arial" panose="020B0604020202020204" pitchFamily="34" charset="0"/>
+              <a:buChar char="•"/>
+              <a:defRPr sz="1800"/>
+            </a:lvl5pPr>
+            <a:lvl6pPr marL="900000" indent="-180000">
+              <a:spcBef>
+                <a:spcPts val="0"/>
+              </a:spcBef>
+              <a:buClr>
+                <a:schemeClr val="accent1"/>
+              </a:buClr>
+              <a:buFont typeface="Arial" panose="020B0604020202020204" pitchFamily="34" charset="0"/>
+              <a:buChar char="•"/>
+              <a:defRPr sz="1800"/>
+            </a:lvl6pPr>
+            <a:lvl7pPr marL="1080000" indent="-180000">
+              <a:spcBef>
+                <a:spcPts val="0"/>
+              </a:spcBef>
+              <a:buClr>
+                <a:schemeClr val="accent1"/>
+              </a:buClr>
+              <a:buFont typeface="Arial" panose="020B0604020202020204" pitchFamily="34" charset="0"/>
+              <a:buChar char="•"/>
+              <a:defRPr sz="1800"/>
+            </a:lvl7pPr>
+            <a:lvl8pPr marL="1260000" indent="-180000">
+              <a:spcBef>
+                <a:spcPts val="0"/>
+              </a:spcBef>
+              <a:buClr>
+                <a:schemeClr val="accent1"/>
+              </a:buClr>
+              <a:buFont typeface="Arial" panose="020B0604020202020204" pitchFamily="34" charset="0"/>
+              <a:buChar char="•"/>
+              <a:defRPr sz="1800"/>
+            </a:lvl8pPr>
+            <a:lvl9pPr marL="1440000" indent="-180000">
+              <a:spcBef>
+                <a:spcPts val="0"/>
+              </a:spcBef>
+              <a:buClr>
+                <a:schemeClr val="accent1"/>
+              </a:buClr>
+              <a:buFont typeface="Arial" panose="020B0604020202020204" pitchFamily="34" charset="0"/>
+              <a:buChar char="•"/>
+              <a:defRPr sz="1800"/>
+            </a:lvl9pPr>
+          </a:lstStyle>
+          <a:p>
+            <a:r>
+              <a:rPr lang="en-US" dirty="0"/>
+              <a:t>Page 8</a:t>
+            </a:r>
+          </a:p>
+        </p:txBody>
+      </p:sp>
+      <p:sp>
+        <p:nvSpPr>
+          <p:cNvPr id="6" name="TextBox 5">
+            <a:extLst>
+              <a:ext uri="{FF2B5EF4-FFF2-40B4-BE49-F238E27FC236}">
+                <a16:creationId xmlns:a16="http://schemas.microsoft.com/office/drawing/2014/main" id="{1C34048E-9267-DE4D-87DD-B9D7AB089FF5}"/>
+              </a:ext>
+            </a:extLst>
+          </p:cNvPr>
+          <p:cNvSpPr txBox="1"/>
+          <p:nvPr/>
+        </p:nvSpPr>
+        <p:spPr>
+          <a:xfrm>
+            <a:off x="335360" y="1988840"/>
+            <a:ext cx="10153128" cy="276999"/>
+          </a:xfrm>
+          <a:prstGeom prst="rect">
+            <a:avLst/>
+          </a:prstGeom>
+          <a:noFill/>
+        </p:spPr>
+        <p:txBody>
+          <a:bodyPr wrap="square" lIns="0" tIns="0" rIns="0" bIns="0" rtlCol="0">
+            <a:spAutoFit/>
+          </a:bodyPr>
+          <a:lstStyle/>
+          <a:p>
+            <a:pPr algn="l"/>
+            <a:r>
+              <a:rPr lang="en-US" dirty="0">
+                <a:solidFill>
+                  <a:schemeClr val="tx1"/>
+                </a:solidFill>
+              </a:rPr>
+              <a:t>Add stuff here</a:t>
+            </a:r>
+            <a:endParaRPr lang="en-DE" dirty="0" err="1">
+              <a:solidFill>
+                <a:schemeClr val="tx1"/>
+              </a:solidFill>
+            </a:endParaRPr>
           </a:p>
         </p:txBody>
       </p:sp>
     </p:spTree>
     <p:extLst>
       <p:ext uri="{BB962C8B-B14F-4D97-AF65-F5344CB8AC3E}">
-        <p14:creationId xmlns:p14="http://schemas.microsoft.com/office/powerpoint/2010/main" val="56126083"/>
+        <p14:creationId xmlns:p14="http://schemas.microsoft.com/office/powerpoint/2010/main" val="630813704"/>
       </p:ext>
     </p:extLst>
   </p:cSld>
@@ -3490,6 +3822,97 @@
           <a:p>
             <a:r>
               <a:rPr lang="en-US" sz="4000" dirty="0"/>
+              <a:t>Backup Slide 1</a:t>
+            </a:r>
+            <a:endParaRPr lang="en-DE" sz="4000" dirty="0"/>
+          </a:p>
+        </p:txBody>
+      </p:sp>
+    </p:spTree>
+    <p:extLst>
+      <p:ext uri="{BB962C8B-B14F-4D97-AF65-F5344CB8AC3E}">
+        <p14:creationId xmlns:p14="http://schemas.microsoft.com/office/powerpoint/2010/main" val="56126083"/>
+      </p:ext>
+    </p:extLst>
+  </p:cSld>
+  <p:clrMapOvr>
+    <a:masterClrMapping/>
+  </p:clrMapOvr>
+</p:sld>
+</file>
+
+<file path=ppt/slides/slide13.xml><?xml version="1.0" encoding="utf-8"?>
+<p:sld xmlns:a="http://schemas.openxmlformats.org/drawingml/2006/main" xmlns:r="http://schemas.openxmlformats.org/officeDocument/2006/relationships" xmlns:p="http://schemas.openxmlformats.org/presentationml/2006/main">
+  <p:cSld>
+    <p:bg>
+      <p:bgPr>
+        <a:gradFill flip="none" rotWithShape="1">
+          <a:gsLst>
+            <a:gs pos="0">
+              <a:srgbClr val="00557C"/>
+            </a:gs>
+            <a:gs pos="48000">
+              <a:schemeClr val="accent6">
+                <a:lumMod val="95000"/>
+                <a:lumOff val="5000"/>
+              </a:schemeClr>
+            </a:gs>
+            <a:gs pos="100000">
+              <a:schemeClr val="accent6">
+                <a:lumMod val="60000"/>
+              </a:schemeClr>
+            </a:gs>
+          </a:gsLst>
+          <a:path path="circle">
+            <a:fillToRect r="100000" b="100000"/>
+          </a:path>
+          <a:tileRect l="-100000" t="-100000"/>
+        </a:gradFill>
+        <a:effectLst/>
+      </p:bgPr>
+    </p:bg>
+    <p:spTree>
+      <p:nvGrpSpPr>
+        <p:cNvPr id="1" name=""/>
+        <p:cNvGrpSpPr/>
+        <p:nvPr/>
+      </p:nvGrpSpPr>
+      <p:grpSpPr>
+        <a:xfrm>
+          <a:off x="0" y="0"/>
+          <a:ext cx="0" cy="0"/>
+          <a:chOff x="0" y="0"/>
+          <a:chExt cx="0" cy="0"/>
+        </a:xfrm>
+      </p:grpSpPr>
+      <p:sp>
+        <p:nvSpPr>
+          <p:cNvPr id="5" name="Title 4">
+            <a:extLst>
+              <a:ext uri="{FF2B5EF4-FFF2-40B4-BE49-F238E27FC236}">
+                <a16:creationId xmlns:a16="http://schemas.microsoft.com/office/drawing/2014/main" id="{67B04439-5CE7-199E-BDC8-2FD5766469CB}"/>
+              </a:ext>
+            </a:extLst>
+          </p:cNvPr>
+          <p:cNvSpPr>
+            <a:spLocks noGrp="1"/>
+          </p:cNvSpPr>
+          <p:nvPr>
+            <p:ph type="title"/>
+          </p:nvPr>
+        </p:nvSpPr>
+        <p:spPr>
+          <a:xfrm>
+            <a:off x="335360" y="548680"/>
+            <a:ext cx="11376788" cy="615553"/>
+          </a:xfrm>
+        </p:spPr>
+        <p:txBody>
+          <a:bodyPr/>
+          <a:lstStyle/>
+          <a:p>
+            <a:r>
+              <a:rPr lang="en-US" sz="4000" dirty="0"/>
               <a:t>Backup Slide 2</a:t>
             </a:r>
             <a:endParaRPr lang="en-DE" sz="4000" dirty="0"/>
@@ -3509,7 +3932,7 @@
 </p:sld>
 </file>
 
-<file path=ppt/slides/slide13.xml><?xml version="1.0" encoding="utf-8"?>
+<file path=ppt/slides/slide14.xml><?xml version="1.0" encoding="utf-8"?>
 <p:sld xmlns:a="http://schemas.openxmlformats.org/drawingml/2006/main" xmlns:r="http://schemas.openxmlformats.org/officeDocument/2006/relationships" xmlns:p="http://schemas.openxmlformats.org/presentationml/2006/main">
   <p:cSld>
     <p:bg>
